--- a/slides/PlanetWarsSlides.pptx
+++ b/slides/PlanetWarsSlides.pptx
@@ -5,14 +5,14 @@
     <p:sldMasterId id="2147483648" r:id="rId1"/>
   </p:sldMasterIdLst>
   <p:sldIdLst>
-    <p:sldId id="256" r:id="rId7"/>
-    <p:sldId id="257" r:id="rId8"/>
-    <p:sldId id="258" r:id="rId9"/>
-    <p:sldId id="259" r:id="rId10"/>
-    <p:sldId id="260" r:id="rId11"/>
-    <p:sldId id="261" r:id="rId12"/>
+    <p:sldId id="256" r:id="rId2"/>
+    <p:sldId id="257" r:id="rId3"/>
+    <p:sldId id="258" r:id="rId4"/>
+    <p:sldId id="259" r:id="rId5"/>
+    <p:sldId id="260" r:id="rId6"/>
+    <p:sldId id="261" r:id="rId7"/>
   </p:sldIdLst>
-  <p:sldSz cx="9144000" cy="6858000" type="screen4x3"/>
+  <p:sldSz cx="9144000" cy="5143500" type="screen16x9"/>
   <p:notesSz cx="6858000" cy="9144000"/>
   <p:defaultTextStyle>
     <a:defPPr>
@@ -109,6 +109,22 @@
       </a:defRPr>
     </a:lvl9pPr>
   </p:defaultTextStyle>
+  <p:extLst>
+    <p:ext uri="{EFAFB233-063F-42B5-8137-9DF3F51BA10A}">
+      <p15:sldGuideLst xmlns:p15="http://schemas.microsoft.com/office/powerpoint/2012/main">
+        <p15:guide id="1" orient="horz" pos="1620" userDrawn="1">
+          <p15:clr>
+            <a:srgbClr val="A4A3A4"/>
+          </p15:clr>
+        </p15:guide>
+        <p15:guide id="2" pos="2880" userDrawn="1">
+          <p15:clr>
+            <a:srgbClr val="A4A3A4"/>
+          </p15:clr>
+        </p15:guide>
+      </p15:sldGuideLst>
+    </p:ext>
+  </p:extLst>
 </p:presentation>
 </file>
 
@@ -141,8 +157,8 @@
         </p:nvSpPr>
         <p:spPr>
           <a:xfrm>
-            <a:off x="685800" y="2130425"/>
-            <a:ext cx="7772400" cy="1470025"/>
+            <a:off x="685800" y="1597819"/>
+            <a:ext cx="7772400" cy="1102519"/>
           </a:xfrm>
         </p:spPr>
         <p:txBody>
@@ -150,10 +166,9 @@
           <a:lstStyle/>
           <a:p>
             <a:r>
-              <a:rPr lang="en-US" smtClean="0"/>
+              <a:rPr lang="en-US"/>
               <a:t>Click to edit Master title style</a:t>
             </a:r>
-            <a:endParaRPr lang="en-US"/>
           </a:p>
         </p:txBody>
       </p:sp>
@@ -169,8 +184,8 @@
         </p:nvSpPr>
         <p:spPr>
           <a:xfrm>
-            <a:off x="1371600" y="3886200"/>
-            <a:ext cx="6400800" cy="1752600"/>
+            <a:off x="1371600" y="2914650"/>
+            <a:ext cx="6400800" cy="1314450"/>
           </a:xfrm>
         </p:spPr>
         <p:txBody>
@@ -186,7 +201,7 @@
                 </a:solidFill>
               </a:defRPr>
             </a:lvl1pPr>
-            <a:lvl2pPr marL="457200" indent="0" algn="ctr">
+            <a:lvl2pPr marL="342900" indent="0" algn="ctr">
               <a:buNone/>
               <a:defRPr>
                 <a:solidFill>
@@ -196,7 +211,7 @@
                 </a:solidFill>
               </a:defRPr>
             </a:lvl2pPr>
-            <a:lvl3pPr marL="914400" indent="0" algn="ctr">
+            <a:lvl3pPr marL="685800" indent="0" algn="ctr">
               <a:buNone/>
               <a:defRPr>
                 <a:solidFill>
@@ -206,7 +221,7 @@
                 </a:solidFill>
               </a:defRPr>
             </a:lvl3pPr>
-            <a:lvl4pPr marL="1371600" indent="0" algn="ctr">
+            <a:lvl4pPr marL="1028700" indent="0" algn="ctr">
               <a:buNone/>
               <a:defRPr>
                 <a:solidFill>
@@ -216,7 +231,7 @@
                 </a:solidFill>
               </a:defRPr>
             </a:lvl4pPr>
-            <a:lvl5pPr marL="1828800" indent="0" algn="ctr">
+            <a:lvl5pPr marL="1371600" indent="0" algn="ctr">
               <a:buNone/>
               <a:defRPr>
                 <a:solidFill>
@@ -226,7 +241,7 @@
                 </a:solidFill>
               </a:defRPr>
             </a:lvl5pPr>
-            <a:lvl6pPr marL="2286000" indent="0" algn="ctr">
+            <a:lvl6pPr marL="1714500" indent="0" algn="ctr">
               <a:buNone/>
               <a:defRPr>
                 <a:solidFill>
@@ -236,7 +251,7 @@
                 </a:solidFill>
               </a:defRPr>
             </a:lvl6pPr>
-            <a:lvl7pPr marL="2743200" indent="0" algn="ctr">
+            <a:lvl7pPr marL="2057400" indent="0" algn="ctr">
               <a:buNone/>
               <a:defRPr>
                 <a:solidFill>
@@ -246,7 +261,7 @@
                 </a:solidFill>
               </a:defRPr>
             </a:lvl7pPr>
-            <a:lvl8pPr marL="3200400" indent="0" algn="ctr">
+            <a:lvl8pPr marL="2400300" indent="0" algn="ctr">
               <a:buNone/>
               <a:defRPr>
                 <a:solidFill>
@@ -256,7 +271,7 @@
                 </a:solidFill>
               </a:defRPr>
             </a:lvl8pPr>
-            <a:lvl9pPr marL="3657600" indent="0" algn="ctr">
+            <a:lvl9pPr marL="2743200" indent="0" algn="ctr">
               <a:buNone/>
               <a:defRPr>
                 <a:solidFill>
@@ -269,10 +284,9 @@
           </a:lstStyle>
           <a:p>
             <a:r>
-              <a:rPr lang="en-US" smtClean="0"/>
+              <a:rPr lang="en-US"/>
               <a:t>Click to edit Master subtitle style</a:t>
             </a:r>
-            <a:endParaRPr lang="en-US"/>
           </a:p>
         </p:txBody>
       </p:sp>
@@ -293,7 +307,7 @@
           <a:p>
             <a:fld id="{5BCAD085-E8A6-8845-BD4E-CB4CCA059FC4}" type="datetimeFigureOut">
               <a:rPr lang="en-US" smtClean="0"/>
-              <a:t>1/27/13</a:t>
+              <a:t>6/25/25</a:t>
             </a:fld>
             <a:endParaRPr lang="en-US"/>
           </a:p>
@@ -387,10 +401,9 @@
           <a:lstStyle/>
           <a:p>
             <a:r>
-              <a:rPr lang="en-US" smtClean="0"/>
+              <a:rPr lang="en-US"/>
               <a:t>Click to edit Master title style</a:t>
             </a:r>
-            <a:endParaRPr lang="en-US"/>
           </a:p>
         </p:txBody>
       </p:sp>
@@ -411,38 +424,37 @@
           <a:p>
             <a:pPr lvl="0"/>
             <a:r>
-              <a:rPr lang="en-US" smtClean="0"/>
+              <a:rPr lang="en-US"/>
               <a:t>Click to edit Master text styles</a:t>
             </a:r>
           </a:p>
           <a:p>
             <a:pPr lvl="1"/>
             <a:r>
-              <a:rPr lang="en-US" smtClean="0"/>
+              <a:rPr lang="en-US"/>
               <a:t>Second level</a:t>
             </a:r>
           </a:p>
           <a:p>
             <a:pPr lvl="2"/>
             <a:r>
-              <a:rPr lang="en-US" smtClean="0"/>
+              <a:rPr lang="en-US"/>
               <a:t>Third level</a:t>
             </a:r>
           </a:p>
           <a:p>
             <a:pPr lvl="3"/>
             <a:r>
-              <a:rPr lang="en-US" smtClean="0"/>
+              <a:rPr lang="en-US"/>
               <a:t>Fourth level</a:t>
             </a:r>
           </a:p>
           <a:p>
             <a:pPr lvl="4"/>
             <a:r>
-              <a:rPr lang="en-US" smtClean="0"/>
+              <a:rPr lang="en-US"/>
               <a:t>Fifth level</a:t>
             </a:r>
-            <a:endParaRPr lang="en-US"/>
           </a:p>
         </p:txBody>
       </p:sp>
@@ -463,7 +475,7 @@
           <a:p>
             <a:fld id="{5BCAD085-E8A6-8845-BD4E-CB4CCA059FC4}" type="datetimeFigureOut">
               <a:rPr lang="en-US" smtClean="0"/>
-              <a:t>1/27/13</a:t>
+              <a:t>6/25/25</a:t>
             </a:fld>
             <a:endParaRPr lang="en-US"/>
           </a:p>
@@ -553,8 +565,8 @@
         </p:nvSpPr>
         <p:spPr>
           <a:xfrm>
-            <a:off x="6629400" y="274638"/>
-            <a:ext cx="2057400" cy="5851525"/>
+            <a:off x="6629400" y="205979"/>
+            <a:ext cx="2057400" cy="4388644"/>
           </a:xfrm>
         </p:spPr>
         <p:txBody>
@@ -562,10 +574,9 @@
           <a:lstStyle/>
           <a:p>
             <a:r>
-              <a:rPr lang="en-US" smtClean="0"/>
+              <a:rPr lang="en-US"/>
               <a:t>Click to edit Master title style</a:t>
             </a:r>
-            <a:endParaRPr lang="en-US"/>
           </a:p>
         </p:txBody>
       </p:sp>
@@ -581,8 +592,8 @@
         </p:nvSpPr>
         <p:spPr>
           <a:xfrm>
-            <a:off x="457200" y="274638"/>
-            <a:ext cx="6019800" cy="5851525"/>
+            <a:off x="457200" y="205979"/>
+            <a:ext cx="6019800" cy="4388644"/>
           </a:xfrm>
         </p:spPr>
         <p:txBody>
@@ -591,38 +602,37 @@
           <a:p>
             <a:pPr lvl="0"/>
             <a:r>
-              <a:rPr lang="en-US" smtClean="0"/>
+              <a:rPr lang="en-US"/>
               <a:t>Click to edit Master text styles</a:t>
             </a:r>
           </a:p>
           <a:p>
             <a:pPr lvl="1"/>
             <a:r>
-              <a:rPr lang="en-US" smtClean="0"/>
+              <a:rPr lang="en-US"/>
               <a:t>Second level</a:t>
             </a:r>
           </a:p>
           <a:p>
             <a:pPr lvl="2"/>
             <a:r>
-              <a:rPr lang="en-US" smtClean="0"/>
+              <a:rPr lang="en-US"/>
               <a:t>Third level</a:t>
             </a:r>
           </a:p>
           <a:p>
             <a:pPr lvl="3"/>
             <a:r>
-              <a:rPr lang="en-US" smtClean="0"/>
+              <a:rPr lang="en-US"/>
               <a:t>Fourth level</a:t>
             </a:r>
           </a:p>
           <a:p>
             <a:pPr lvl="4"/>
             <a:r>
-              <a:rPr lang="en-US" smtClean="0"/>
+              <a:rPr lang="en-US"/>
               <a:t>Fifth level</a:t>
             </a:r>
-            <a:endParaRPr lang="en-US"/>
           </a:p>
         </p:txBody>
       </p:sp>
@@ -643,7 +653,7 @@
           <a:p>
             <a:fld id="{5BCAD085-E8A6-8845-BD4E-CB4CCA059FC4}" type="datetimeFigureOut">
               <a:rPr lang="en-US" smtClean="0"/>
-              <a:t>1/27/13</a:t>
+              <a:t>6/25/25</a:t>
             </a:fld>
             <a:endParaRPr lang="en-US"/>
           </a:p>
@@ -737,10 +747,9 @@
           <a:lstStyle/>
           <a:p>
             <a:r>
-              <a:rPr lang="en-US" smtClean="0"/>
+              <a:rPr lang="en-US"/>
               <a:t>Click to edit Master title style</a:t>
             </a:r>
-            <a:endParaRPr lang="en-US"/>
           </a:p>
         </p:txBody>
       </p:sp>
@@ -761,38 +770,37 @@
           <a:p>
             <a:pPr lvl="0"/>
             <a:r>
-              <a:rPr lang="en-US" smtClean="0"/>
+              <a:rPr lang="en-US"/>
               <a:t>Click to edit Master text styles</a:t>
             </a:r>
           </a:p>
           <a:p>
             <a:pPr lvl="1"/>
             <a:r>
-              <a:rPr lang="en-US" smtClean="0"/>
+              <a:rPr lang="en-US"/>
               <a:t>Second level</a:t>
             </a:r>
           </a:p>
           <a:p>
             <a:pPr lvl="2"/>
             <a:r>
-              <a:rPr lang="en-US" smtClean="0"/>
+              <a:rPr lang="en-US"/>
               <a:t>Third level</a:t>
             </a:r>
           </a:p>
           <a:p>
             <a:pPr lvl="3"/>
             <a:r>
-              <a:rPr lang="en-US" smtClean="0"/>
+              <a:rPr lang="en-US"/>
               <a:t>Fourth level</a:t>
             </a:r>
           </a:p>
           <a:p>
             <a:pPr lvl="4"/>
             <a:r>
-              <a:rPr lang="en-US" smtClean="0"/>
+              <a:rPr lang="en-US"/>
               <a:t>Fifth level</a:t>
             </a:r>
-            <a:endParaRPr lang="en-US"/>
           </a:p>
         </p:txBody>
       </p:sp>
@@ -813,7 +821,7 @@
           <a:p>
             <a:fld id="{5BCAD085-E8A6-8845-BD4E-CB4CCA059FC4}" type="datetimeFigureOut">
               <a:rPr lang="en-US" smtClean="0"/>
-              <a:t>1/27/13</a:t>
+              <a:t>6/25/25</a:t>
             </a:fld>
             <a:endParaRPr lang="en-US"/>
           </a:p>
@@ -903,23 +911,22 @@
         </p:nvSpPr>
         <p:spPr>
           <a:xfrm>
-            <a:off x="722313" y="4406900"/>
-            <a:ext cx="7772400" cy="1362075"/>
+            <a:off x="722313" y="3305176"/>
+            <a:ext cx="7772400" cy="1021556"/>
           </a:xfrm>
         </p:spPr>
         <p:txBody>
           <a:bodyPr anchor="t"/>
           <a:lstStyle>
             <a:lvl1pPr algn="l">
-              <a:defRPr sz="4000" b="1" cap="all"/>
+              <a:defRPr sz="3000" b="1" cap="all"/>
             </a:lvl1pPr>
           </a:lstStyle>
           <a:p>
             <a:r>
-              <a:rPr lang="en-US" smtClean="0"/>
+              <a:rPr lang="en-US"/>
               <a:t>Click to edit Master title style</a:t>
             </a:r>
-            <a:endParaRPr lang="en-US"/>
           </a:p>
         </p:txBody>
       </p:sp>
@@ -935,8 +942,8 @@
         </p:nvSpPr>
         <p:spPr>
           <a:xfrm>
-            <a:off x="722313" y="2906713"/>
-            <a:ext cx="7772400" cy="1500187"/>
+            <a:off x="722313" y="2180035"/>
+            <a:ext cx="7772400" cy="1125140"/>
           </a:xfrm>
         </p:spPr>
         <p:txBody>
@@ -944,7 +951,7 @@
           <a:lstStyle>
             <a:lvl1pPr marL="0" indent="0">
               <a:buNone/>
-              <a:defRPr sz="2000">
+              <a:defRPr sz="1500">
                 <a:solidFill>
                   <a:schemeClr val="tx1">
                     <a:tint val="75000"/>
@@ -952,9 +959,9 @@
                 </a:solidFill>
               </a:defRPr>
             </a:lvl1pPr>
-            <a:lvl2pPr marL="457200" indent="0">
-              <a:buNone/>
-              <a:defRPr sz="1800">
+            <a:lvl2pPr marL="342900" indent="0">
+              <a:buNone/>
+              <a:defRPr sz="1350">
                 <a:solidFill>
                   <a:schemeClr val="tx1">
                     <a:tint val="75000"/>
@@ -962,9 +969,9 @@
                 </a:solidFill>
               </a:defRPr>
             </a:lvl2pPr>
-            <a:lvl3pPr marL="914400" indent="0">
-              <a:buNone/>
-              <a:defRPr sz="1600">
+            <a:lvl3pPr marL="685800" indent="0">
+              <a:buNone/>
+              <a:defRPr sz="1200">
                 <a:solidFill>
                   <a:schemeClr val="tx1">
                     <a:tint val="75000"/>
@@ -972,9 +979,9 @@
                 </a:solidFill>
               </a:defRPr>
             </a:lvl3pPr>
-            <a:lvl4pPr marL="1371600" indent="0">
-              <a:buNone/>
-              <a:defRPr sz="1400">
+            <a:lvl4pPr marL="1028700" indent="0">
+              <a:buNone/>
+              <a:defRPr sz="1050">
                 <a:solidFill>
                   <a:schemeClr val="tx1">
                     <a:tint val="75000"/>
@@ -982,9 +989,9 @@
                 </a:solidFill>
               </a:defRPr>
             </a:lvl4pPr>
-            <a:lvl5pPr marL="1828800" indent="0">
-              <a:buNone/>
-              <a:defRPr sz="1400">
+            <a:lvl5pPr marL="1371600" indent="0">
+              <a:buNone/>
+              <a:defRPr sz="1050">
                 <a:solidFill>
                   <a:schemeClr val="tx1">
                     <a:tint val="75000"/>
@@ -992,9 +999,9 @@
                 </a:solidFill>
               </a:defRPr>
             </a:lvl5pPr>
-            <a:lvl6pPr marL="2286000" indent="0">
-              <a:buNone/>
-              <a:defRPr sz="1400">
+            <a:lvl6pPr marL="1714500" indent="0">
+              <a:buNone/>
+              <a:defRPr sz="1050">
                 <a:solidFill>
                   <a:schemeClr val="tx1">
                     <a:tint val="75000"/>
@@ -1002,9 +1009,9 @@
                 </a:solidFill>
               </a:defRPr>
             </a:lvl6pPr>
-            <a:lvl7pPr marL="2743200" indent="0">
-              <a:buNone/>
-              <a:defRPr sz="1400">
+            <a:lvl7pPr marL="2057400" indent="0">
+              <a:buNone/>
+              <a:defRPr sz="1050">
                 <a:solidFill>
                   <a:schemeClr val="tx1">
                     <a:tint val="75000"/>
@@ -1012,9 +1019,9 @@
                 </a:solidFill>
               </a:defRPr>
             </a:lvl7pPr>
-            <a:lvl8pPr marL="3200400" indent="0">
-              <a:buNone/>
-              <a:defRPr sz="1400">
+            <a:lvl8pPr marL="2400300" indent="0">
+              <a:buNone/>
+              <a:defRPr sz="1050">
                 <a:solidFill>
                   <a:schemeClr val="tx1">
                     <a:tint val="75000"/>
@@ -1022,9 +1029,9 @@
                 </a:solidFill>
               </a:defRPr>
             </a:lvl8pPr>
-            <a:lvl9pPr marL="3657600" indent="0">
-              <a:buNone/>
-              <a:defRPr sz="1400">
+            <a:lvl9pPr marL="2743200" indent="0">
+              <a:buNone/>
+              <a:defRPr sz="1050">
                 <a:solidFill>
                   <a:schemeClr val="tx1">
                     <a:tint val="75000"/>
@@ -1036,7 +1043,7 @@
           <a:p>
             <a:pPr lvl="0"/>
             <a:r>
-              <a:rPr lang="en-US" smtClean="0"/>
+              <a:rPr lang="en-US"/>
               <a:t>Click to edit Master text styles</a:t>
             </a:r>
           </a:p>
@@ -1059,7 +1066,7 @@
           <a:p>
             <a:fld id="{5BCAD085-E8A6-8845-BD4E-CB4CCA059FC4}" type="datetimeFigureOut">
               <a:rPr lang="en-US" smtClean="0"/>
-              <a:t>1/27/13</a:t>
+              <a:t>6/25/25</a:t>
             </a:fld>
             <a:endParaRPr lang="en-US"/>
           </a:p>
@@ -1153,10 +1160,9 @@
           <a:lstStyle/>
           <a:p>
             <a:r>
-              <a:rPr lang="en-US" smtClean="0"/>
+              <a:rPr lang="en-US"/>
               <a:t>Click to edit Master title style</a:t>
             </a:r>
-            <a:endParaRPr lang="en-US"/>
           </a:p>
         </p:txBody>
       </p:sp>
@@ -1172,76 +1178,75 @@
         </p:nvSpPr>
         <p:spPr>
           <a:xfrm>
-            <a:off x="457200" y="1600200"/>
-            <a:ext cx="4038600" cy="4525963"/>
+            <a:off x="457200" y="1200151"/>
+            <a:ext cx="4038600" cy="3394472"/>
           </a:xfrm>
         </p:spPr>
         <p:txBody>
           <a:bodyPr/>
           <a:lstStyle>
             <a:lvl1pPr>
-              <a:defRPr sz="2800"/>
+              <a:defRPr sz="2100"/>
             </a:lvl1pPr>
             <a:lvl2pPr>
-              <a:defRPr sz="2400"/>
+              <a:defRPr sz="1800"/>
             </a:lvl2pPr>
             <a:lvl3pPr>
-              <a:defRPr sz="2000"/>
+              <a:defRPr sz="1500"/>
             </a:lvl3pPr>
             <a:lvl4pPr>
-              <a:defRPr sz="1800"/>
+              <a:defRPr sz="1350"/>
             </a:lvl4pPr>
             <a:lvl5pPr>
-              <a:defRPr sz="1800"/>
+              <a:defRPr sz="1350"/>
             </a:lvl5pPr>
             <a:lvl6pPr>
-              <a:defRPr sz="1800"/>
+              <a:defRPr sz="1350"/>
             </a:lvl6pPr>
             <a:lvl7pPr>
-              <a:defRPr sz="1800"/>
+              <a:defRPr sz="1350"/>
             </a:lvl7pPr>
             <a:lvl8pPr>
-              <a:defRPr sz="1800"/>
+              <a:defRPr sz="1350"/>
             </a:lvl8pPr>
             <a:lvl9pPr>
-              <a:defRPr sz="1800"/>
+              <a:defRPr sz="1350"/>
             </a:lvl9pPr>
           </a:lstStyle>
           <a:p>
             <a:pPr lvl="0"/>
             <a:r>
-              <a:rPr lang="en-US" smtClean="0"/>
+              <a:rPr lang="en-US"/>
               <a:t>Click to edit Master text styles</a:t>
             </a:r>
           </a:p>
           <a:p>
             <a:pPr lvl="1"/>
             <a:r>
-              <a:rPr lang="en-US" smtClean="0"/>
+              <a:rPr lang="en-US"/>
               <a:t>Second level</a:t>
             </a:r>
           </a:p>
           <a:p>
             <a:pPr lvl="2"/>
             <a:r>
-              <a:rPr lang="en-US" smtClean="0"/>
+              <a:rPr lang="en-US"/>
               <a:t>Third level</a:t>
             </a:r>
           </a:p>
           <a:p>
             <a:pPr lvl="3"/>
             <a:r>
-              <a:rPr lang="en-US" smtClean="0"/>
+              <a:rPr lang="en-US"/>
               <a:t>Fourth level</a:t>
             </a:r>
           </a:p>
           <a:p>
             <a:pPr lvl="4"/>
             <a:r>
-              <a:rPr lang="en-US" smtClean="0"/>
+              <a:rPr lang="en-US"/>
               <a:t>Fifth level</a:t>
             </a:r>
-            <a:endParaRPr lang="en-US"/>
           </a:p>
         </p:txBody>
       </p:sp>
@@ -1257,76 +1262,75 @@
         </p:nvSpPr>
         <p:spPr>
           <a:xfrm>
-            <a:off x="4648200" y="1600200"/>
-            <a:ext cx="4038600" cy="4525963"/>
+            <a:off x="4648200" y="1200151"/>
+            <a:ext cx="4038600" cy="3394472"/>
           </a:xfrm>
         </p:spPr>
         <p:txBody>
           <a:bodyPr/>
           <a:lstStyle>
             <a:lvl1pPr>
-              <a:defRPr sz="2800"/>
+              <a:defRPr sz="2100"/>
             </a:lvl1pPr>
             <a:lvl2pPr>
-              <a:defRPr sz="2400"/>
+              <a:defRPr sz="1800"/>
             </a:lvl2pPr>
             <a:lvl3pPr>
-              <a:defRPr sz="2000"/>
+              <a:defRPr sz="1500"/>
             </a:lvl3pPr>
             <a:lvl4pPr>
-              <a:defRPr sz="1800"/>
+              <a:defRPr sz="1350"/>
             </a:lvl4pPr>
             <a:lvl5pPr>
-              <a:defRPr sz="1800"/>
+              <a:defRPr sz="1350"/>
             </a:lvl5pPr>
             <a:lvl6pPr>
-              <a:defRPr sz="1800"/>
+              <a:defRPr sz="1350"/>
             </a:lvl6pPr>
             <a:lvl7pPr>
-              <a:defRPr sz="1800"/>
+              <a:defRPr sz="1350"/>
             </a:lvl7pPr>
             <a:lvl8pPr>
-              <a:defRPr sz="1800"/>
+              <a:defRPr sz="1350"/>
             </a:lvl8pPr>
             <a:lvl9pPr>
-              <a:defRPr sz="1800"/>
+              <a:defRPr sz="1350"/>
             </a:lvl9pPr>
           </a:lstStyle>
           <a:p>
             <a:pPr lvl="0"/>
             <a:r>
-              <a:rPr lang="en-US" smtClean="0"/>
+              <a:rPr lang="en-US"/>
               <a:t>Click to edit Master text styles</a:t>
             </a:r>
           </a:p>
           <a:p>
             <a:pPr lvl="1"/>
             <a:r>
-              <a:rPr lang="en-US" smtClean="0"/>
+              <a:rPr lang="en-US"/>
               <a:t>Second level</a:t>
             </a:r>
           </a:p>
           <a:p>
             <a:pPr lvl="2"/>
             <a:r>
-              <a:rPr lang="en-US" smtClean="0"/>
+              <a:rPr lang="en-US"/>
               <a:t>Third level</a:t>
             </a:r>
           </a:p>
           <a:p>
             <a:pPr lvl="3"/>
             <a:r>
-              <a:rPr lang="en-US" smtClean="0"/>
+              <a:rPr lang="en-US"/>
               <a:t>Fourth level</a:t>
             </a:r>
           </a:p>
           <a:p>
             <a:pPr lvl="4"/>
             <a:r>
-              <a:rPr lang="en-US" smtClean="0"/>
+              <a:rPr lang="en-US"/>
               <a:t>Fifth level</a:t>
             </a:r>
-            <a:endParaRPr lang="en-US"/>
           </a:p>
         </p:txBody>
       </p:sp>
@@ -1347,7 +1351,7 @@
           <a:p>
             <a:fld id="{5BCAD085-E8A6-8845-BD4E-CB4CCA059FC4}" type="datetimeFigureOut">
               <a:rPr lang="en-US" smtClean="0"/>
-              <a:t>1/27/13</a:t>
+              <a:t>6/25/25</a:t>
             </a:fld>
             <a:endParaRPr lang="en-US"/>
           </a:p>
@@ -1445,10 +1449,9 @@
           </a:lstStyle>
           <a:p>
             <a:r>
-              <a:rPr lang="en-US" smtClean="0"/>
+              <a:rPr lang="en-US"/>
               <a:t>Click to edit Master title style</a:t>
             </a:r>
-            <a:endParaRPr lang="en-US"/>
           </a:p>
         </p:txBody>
       </p:sp>
@@ -1464,8 +1467,8 @@
         </p:nvSpPr>
         <p:spPr>
           <a:xfrm>
-            <a:off x="457200" y="1535113"/>
-            <a:ext cx="4040188" cy="639762"/>
+            <a:off x="457200" y="1151335"/>
+            <a:ext cx="4040188" cy="479822"/>
           </a:xfrm>
         </p:spPr>
         <p:txBody>
@@ -1473,45 +1476,45 @@
           <a:lstStyle>
             <a:lvl1pPr marL="0" indent="0">
               <a:buNone/>
-              <a:defRPr sz="2400" b="1"/>
+              <a:defRPr sz="1800" b="1"/>
             </a:lvl1pPr>
-            <a:lvl2pPr marL="457200" indent="0">
-              <a:buNone/>
-              <a:defRPr sz="2000" b="1"/>
+            <a:lvl2pPr marL="342900" indent="0">
+              <a:buNone/>
+              <a:defRPr sz="1500" b="1"/>
             </a:lvl2pPr>
-            <a:lvl3pPr marL="914400" indent="0">
-              <a:buNone/>
-              <a:defRPr sz="1800" b="1"/>
+            <a:lvl3pPr marL="685800" indent="0">
+              <a:buNone/>
+              <a:defRPr sz="1350" b="1"/>
             </a:lvl3pPr>
-            <a:lvl4pPr marL="1371600" indent="0">
-              <a:buNone/>
-              <a:defRPr sz="1600" b="1"/>
+            <a:lvl4pPr marL="1028700" indent="0">
+              <a:buNone/>
+              <a:defRPr sz="1200" b="1"/>
             </a:lvl4pPr>
-            <a:lvl5pPr marL="1828800" indent="0">
-              <a:buNone/>
-              <a:defRPr sz="1600" b="1"/>
+            <a:lvl5pPr marL="1371600" indent="0">
+              <a:buNone/>
+              <a:defRPr sz="1200" b="1"/>
             </a:lvl5pPr>
-            <a:lvl6pPr marL="2286000" indent="0">
-              <a:buNone/>
-              <a:defRPr sz="1600" b="1"/>
+            <a:lvl6pPr marL="1714500" indent="0">
+              <a:buNone/>
+              <a:defRPr sz="1200" b="1"/>
             </a:lvl6pPr>
-            <a:lvl7pPr marL="2743200" indent="0">
-              <a:buNone/>
-              <a:defRPr sz="1600" b="1"/>
+            <a:lvl7pPr marL="2057400" indent="0">
+              <a:buNone/>
+              <a:defRPr sz="1200" b="1"/>
             </a:lvl7pPr>
-            <a:lvl8pPr marL="3200400" indent="0">
-              <a:buNone/>
-              <a:defRPr sz="1600" b="1"/>
+            <a:lvl8pPr marL="2400300" indent="0">
+              <a:buNone/>
+              <a:defRPr sz="1200" b="1"/>
             </a:lvl8pPr>
-            <a:lvl9pPr marL="3657600" indent="0">
-              <a:buNone/>
-              <a:defRPr sz="1600" b="1"/>
+            <a:lvl9pPr marL="2743200" indent="0">
+              <a:buNone/>
+              <a:defRPr sz="1200" b="1"/>
             </a:lvl9pPr>
           </a:lstStyle>
           <a:p>
             <a:pPr lvl="0"/>
             <a:r>
-              <a:rPr lang="en-US" smtClean="0"/>
+              <a:rPr lang="en-US"/>
               <a:t>Click to edit Master text styles</a:t>
             </a:r>
           </a:p>
@@ -1529,76 +1532,75 @@
         </p:nvSpPr>
         <p:spPr>
           <a:xfrm>
-            <a:off x="457200" y="2174875"/>
-            <a:ext cx="4040188" cy="3951288"/>
+            <a:off x="457200" y="1631156"/>
+            <a:ext cx="4040188" cy="2963466"/>
           </a:xfrm>
         </p:spPr>
         <p:txBody>
           <a:bodyPr/>
           <a:lstStyle>
             <a:lvl1pPr>
-              <a:defRPr sz="2400"/>
+              <a:defRPr sz="1800"/>
             </a:lvl1pPr>
             <a:lvl2pPr>
-              <a:defRPr sz="2000"/>
+              <a:defRPr sz="1500"/>
             </a:lvl2pPr>
             <a:lvl3pPr>
-              <a:defRPr sz="1800"/>
+              <a:defRPr sz="1350"/>
             </a:lvl3pPr>
             <a:lvl4pPr>
-              <a:defRPr sz="1600"/>
+              <a:defRPr sz="1200"/>
             </a:lvl4pPr>
             <a:lvl5pPr>
-              <a:defRPr sz="1600"/>
+              <a:defRPr sz="1200"/>
             </a:lvl5pPr>
             <a:lvl6pPr>
-              <a:defRPr sz="1600"/>
+              <a:defRPr sz="1200"/>
             </a:lvl6pPr>
             <a:lvl7pPr>
-              <a:defRPr sz="1600"/>
+              <a:defRPr sz="1200"/>
             </a:lvl7pPr>
             <a:lvl8pPr>
-              <a:defRPr sz="1600"/>
+              <a:defRPr sz="1200"/>
             </a:lvl8pPr>
             <a:lvl9pPr>
-              <a:defRPr sz="1600"/>
+              <a:defRPr sz="1200"/>
             </a:lvl9pPr>
           </a:lstStyle>
           <a:p>
             <a:pPr lvl="0"/>
             <a:r>
-              <a:rPr lang="en-US" smtClean="0"/>
+              <a:rPr lang="en-US"/>
               <a:t>Click to edit Master text styles</a:t>
             </a:r>
           </a:p>
           <a:p>
             <a:pPr lvl="1"/>
             <a:r>
-              <a:rPr lang="en-US" smtClean="0"/>
+              <a:rPr lang="en-US"/>
               <a:t>Second level</a:t>
             </a:r>
           </a:p>
           <a:p>
             <a:pPr lvl="2"/>
             <a:r>
-              <a:rPr lang="en-US" smtClean="0"/>
+              <a:rPr lang="en-US"/>
               <a:t>Third level</a:t>
             </a:r>
           </a:p>
           <a:p>
             <a:pPr lvl="3"/>
             <a:r>
-              <a:rPr lang="en-US" smtClean="0"/>
+              <a:rPr lang="en-US"/>
               <a:t>Fourth level</a:t>
             </a:r>
           </a:p>
           <a:p>
             <a:pPr lvl="4"/>
             <a:r>
-              <a:rPr lang="en-US" smtClean="0"/>
+              <a:rPr lang="en-US"/>
               <a:t>Fifth level</a:t>
             </a:r>
-            <a:endParaRPr lang="en-US"/>
           </a:p>
         </p:txBody>
       </p:sp>
@@ -1614,8 +1616,8 @@
         </p:nvSpPr>
         <p:spPr>
           <a:xfrm>
-            <a:off x="4645025" y="1535113"/>
-            <a:ext cx="4041775" cy="639762"/>
+            <a:off x="4645026" y="1151335"/>
+            <a:ext cx="4041775" cy="479822"/>
           </a:xfrm>
         </p:spPr>
         <p:txBody>
@@ -1623,45 +1625,45 @@
           <a:lstStyle>
             <a:lvl1pPr marL="0" indent="0">
               <a:buNone/>
-              <a:defRPr sz="2400" b="1"/>
+              <a:defRPr sz="1800" b="1"/>
             </a:lvl1pPr>
-            <a:lvl2pPr marL="457200" indent="0">
-              <a:buNone/>
-              <a:defRPr sz="2000" b="1"/>
+            <a:lvl2pPr marL="342900" indent="0">
+              <a:buNone/>
+              <a:defRPr sz="1500" b="1"/>
             </a:lvl2pPr>
-            <a:lvl3pPr marL="914400" indent="0">
-              <a:buNone/>
-              <a:defRPr sz="1800" b="1"/>
+            <a:lvl3pPr marL="685800" indent="0">
+              <a:buNone/>
+              <a:defRPr sz="1350" b="1"/>
             </a:lvl3pPr>
-            <a:lvl4pPr marL="1371600" indent="0">
-              <a:buNone/>
-              <a:defRPr sz="1600" b="1"/>
+            <a:lvl4pPr marL="1028700" indent="0">
+              <a:buNone/>
+              <a:defRPr sz="1200" b="1"/>
             </a:lvl4pPr>
-            <a:lvl5pPr marL="1828800" indent="0">
-              <a:buNone/>
-              <a:defRPr sz="1600" b="1"/>
+            <a:lvl5pPr marL="1371600" indent="0">
+              <a:buNone/>
+              <a:defRPr sz="1200" b="1"/>
             </a:lvl5pPr>
-            <a:lvl6pPr marL="2286000" indent="0">
-              <a:buNone/>
-              <a:defRPr sz="1600" b="1"/>
+            <a:lvl6pPr marL="1714500" indent="0">
+              <a:buNone/>
+              <a:defRPr sz="1200" b="1"/>
             </a:lvl6pPr>
-            <a:lvl7pPr marL="2743200" indent="0">
-              <a:buNone/>
-              <a:defRPr sz="1600" b="1"/>
+            <a:lvl7pPr marL="2057400" indent="0">
+              <a:buNone/>
+              <a:defRPr sz="1200" b="1"/>
             </a:lvl7pPr>
-            <a:lvl8pPr marL="3200400" indent="0">
-              <a:buNone/>
-              <a:defRPr sz="1600" b="1"/>
+            <a:lvl8pPr marL="2400300" indent="0">
+              <a:buNone/>
+              <a:defRPr sz="1200" b="1"/>
             </a:lvl8pPr>
-            <a:lvl9pPr marL="3657600" indent="0">
-              <a:buNone/>
-              <a:defRPr sz="1600" b="1"/>
+            <a:lvl9pPr marL="2743200" indent="0">
+              <a:buNone/>
+              <a:defRPr sz="1200" b="1"/>
             </a:lvl9pPr>
           </a:lstStyle>
           <a:p>
             <a:pPr lvl="0"/>
             <a:r>
-              <a:rPr lang="en-US" smtClean="0"/>
+              <a:rPr lang="en-US"/>
               <a:t>Click to edit Master text styles</a:t>
             </a:r>
           </a:p>
@@ -1679,76 +1681,75 @@
         </p:nvSpPr>
         <p:spPr>
           <a:xfrm>
-            <a:off x="4645025" y="2174875"/>
-            <a:ext cx="4041775" cy="3951288"/>
+            <a:off x="4645026" y="1631156"/>
+            <a:ext cx="4041775" cy="2963466"/>
           </a:xfrm>
         </p:spPr>
         <p:txBody>
           <a:bodyPr/>
           <a:lstStyle>
             <a:lvl1pPr>
-              <a:defRPr sz="2400"/>
+              <a:defRPr sz="1800"/>
             </a:lvl1pPr>
             <a:lvl2pPr>
-              <a:defRPr sz="2000"/>
+              <a:defRPr sz="1500"/>
             </a:lvl2pPr>
             <a:lvl3pPr>
-              <a:defRPr sz="1800"/>
+              <a:defRPr sz="1350"/>
             </a:lvl3pPr>
             <a:lvl4pPr>
-              <a:defRPr sz="1600"/>
+              <a:defRPr sz="1200"/>
             </a:lvl4pPr>
             <a:lvl5pPr>
-              <a:defRPr sz="1600"/>
+              <a:defRPr sz="1200"/>
             </a:lvl5pPr>
             <a:lvl6pPr>
-              <a:defRPr sz="1600"/>
+              <a:defRPr sz="1200"/>
             </a:lvl6pPr>
             <a:lvl7pPr>
-              <a:defRPr sz="1600"/>
+              <a:defRPr sz="1200"/>
             </a:lvl7pPr>
             <a:lvl8pPr>
-              <a:defRPr sz="1600"/>
+              <a:defRPr sz="1200"/>
             </a:lvl8pPr>
             <a:lvl9pPr>
-              <a:defRPr sz="1600"/>
+              <a:defRPr sz="1200"/>
             </a:lvl9pPr>
           </a:lstStyle>
           <a:p>
             <a:pPr lvl="0"/>
             <a:r>
-              <a:rPr lang="en-US" smtClean="0"/>
+              <a:rPr lang="en-US"/>
               <a:t>Click to edit Master text styles</a:t>
             </a:r>
           </a:p>
           <a:p>
             <a:pPr lvl="1"/>
             <a:r>
-              <a:rPr lang="en-US" smtClean="0"/>
+              <a:rPr lang="en-US"/>
               <a:t>Second level</a:t>
             </a:r>
           </a:p>
           <a:p>
             <a:pPr lvl="2"/>
             <a:r>
-              <a:rPr lang="en-US" smtClean="0"/>
+              <a:rPr lang="en-US"/>
               <a:t>Third level</a:t>
             </a:r>
           </a:p>
           <a:p>
             <a:pPr lvl="3"/>
             <a:r>
-              <a:rPr lang="en-US" smtClean="0"/>
+              <a:rPr lang="en-US"/>
               <a:t>Fourth level</a:t>
             </a:r>
           </a:p>
           <a:p>
             <a:pPr lvl="4"/>
             <a:r>
-              <a:rPr lang="en-US" smtClean="0"/>
+              <a:rPr lang="en-US"/>
               <a:t>Fifth level</a:t>
             </a:r>
-            <a:endParaRPr lang="en-US"/>
           </a:p>
         </p:txBody>
       </p:sp>
@@ -1769,7 +1770,7 @@
           <a:p>
             <a:fld id="{5BCAD085-E8A6-8845-BD4E-CB4CCA059FC4}" type="datetimeFigureOut">
               <a:rPr lang="en-US" smtClean="0"/>
-              <a:t>1/27/13</a:t>
+              <a:t>6/25/25</a:t>
             </a:fld>
             <a:endParaRPr lang="en-US"/>
           </a:p>
@@ -1863,10 +1864,9 @@
           <a:lstStyle/>
           <a:p>
             <a:r>
-              <a:rPr lang="en-US" smtClean="0"/>
+              <a:rPr lang="en-US"/>
               <a:t>Click to edit Master title style</a:t>
             </a:r>
-            <a:endParaRPr lang="en-US"/>
           </a:p>
         </p:txBody>
       </p:sp>
@@ -1887,7 +1887,7 @@
           <a:p>
             <a:fld id="{5BCAD085-E8A6-8845-BD4E-CB4CCA059FC4}" type="datetimeFigureOut">
               <a:rPr lang="en-US" smtClean="0"/>
-              <a:t>1/27/13</a:t>
+              <a:t>6/25/25</a:t>
             </a:fld>
             <a:endParaRPr lang="en-US"/>
           </a:p>
@@ -1982,7 +1982,7 @@
           <a:p>
             <a:fld id="{5BCAD085-E8A6-8845-BD4E-CB4CCA059FC4}" type="datetimeFigureOut">
               <a:rPr lang="en-US" smtClean="0"/>
-              <a:t>1/27/13</a:t>
+              <a:t>6/25/25</a:t>
             </a:fld>
             <a:endParaRPr lang="en-US"/>
           </a:p>
@@ -2072,23 +2072,22 @@
         </p:nvSpPr>
         <p:spPr>
           <a:xfrm>
-            <a:off x="457200" y="273050"/>
-            <a:ext cx="3008313" cy="1162050"/>
+            <a:off x="457201" y="204787"/>
+            <a:ext cx="3008313" cy="871538"/>
           </a:xfrm>
         </p:spPr>
         <p:txBody>
           <a:bodyPr anchor="b"/>
           <a:lstStyle>
             <a:lvl1pPr algn="l">
-              <a:defRPr sz="2000" b="1"/>
+              <a:defRPr sz="1500" b="1"/>
             </a:lvl1pPr>
           </a:lstStyle>
           <a:p>
             <a:r>
-              <a:rPr lang="en-US" smtClean="0"/>
+              <a:rPr lang="en-US"/>
               <a:t>Click to edit Master title style</a:t>
             </a:r>
-            <a:endParaRPr lang="en-US"/>
           </a:p>
         </p:txBody>
       </p:sp>
@@ -2104,76 +2103,75 @@
         </p:nvSpPr>
         <p:spPr>
           <a:xfrm>
-            <a:off x="3575050" y="273050"/>
-            <a:ext cx="5111750" cy="5853113"/>
+            <a:off x="3575050" y="204788"/>
+            <a:ext cx="5111750" cy="4389835"/>
           </a:xfrm>
         </p:spPr>
         <p:txBody>
           <a:bodyPr/>
           <a:lstStyle>
             <a:lvl1pPr>
-              <a:defRPr sz="3200"/>
+              <a:defRPr sz="2400"/>
             </a:lvl1pPr>
             <a:lvl2pPr>
-              <a:defRPr sz="2800"/>
+              <a:defRPr sz="2100"/>
             </a:lvl2pPr>
             <a:lvl3pPr>
-              <a:defRPr sz="2400"/>
+              <a:defRPr sz="1800"/>
             </a:lvl3pPr>
             <a:lvl4pPr>
-              <a:defRPr sz="2000"/>
+              <a:defRPr sz="1500"/>
             </a:lvl4pPr>
             <a:lvl5pPr>
-              <a:defRPr sz="2000"/>
+              <a:defRPr sz="1500"/>
             </a:lvl5pPr>
             <a:lvl6pPr>
-              <a:defRPr sz="2000"/>
+              <a:defRPr sz="1500"/>
             </a:lvl6pPr>
             <a:lvl7pPr>
-              <a:defRPr sz="2000"/>
+              <a:defRPr sz="1500"/>
             </a:lvl7pPr>
             <a:lvl8pPr>
-              <a:defRPr sz="2000"/>
+              <a:defRPr sz="1500"/>
             </a:lvl8pPr>
             <a:lvl9pPr>
-              <a:defRPr sz="2000"/>
+              <a:defRPr sz="1500"/>
             </a:lvl9pPr>
           </a:lstStyle>
           <a:p>
             <a:pPr lvl="0"/>
             <a:r>
-              <a:rPr lang="en-US" smtClean="0"/>
+              <a:rPr lang="en-US"/>
               <a:t>Click to edit Master text styles</a:t>
             </a:r>
           </a:p>
           <a:p>
             <a:pPr lvl="1"/>
             <a:r>
-              <a:rPr lang="en-US" smtClean="0"/>
+              <a:rPr lang="en-US"/>
               <a:t>Second level</a:t>
             </a:r>
           </a:p>
           <a:p>
             <a:pPr lvl="2"/>
             <a:r>
-              <a:rPr lang="en-US" smtClean="0"/>
+              <a:rPr lang="en-US"/>
               <a:t>Third level</a:t>
             </a:r>
           </a:p>
           <a:p>
             <a:pPr lvl="3"/>
             <a:r>
-              <a:rPr lang="en-US" smtClean="0"/>
+              <a:rPr lang="en-US"/>
               <a:t>Fourth level</a:t>
             </a:r>
           </a:p>
           <a:p>
             <a:pPr lvl="4"/>
             <a:r>
-              <a:rPr lang="en-US" smtClean="0"/>
+              <a:rPr lang="en-US"/>
               <a:t>Fifth level</a:t>
             </a:r>
-            <a:endParaRPr lang="en-US"/>
           </a:p>
         </p:txBody>
       </p:sp>
@@ -2189,8 +2187,8 @@
         </p:nvSpPr>
         <p:spPr>
           <a:xfrm>
-            <a:off x="457200" y="1435100"/>
-            <a:ext cx="3008313" cy="4691063"/>
+            <a:off x="457201" y="1076326"/>
+            <a:ext cx="3008313" cy="3518297"/>
           </a:xfrm>
         </p:spPr>
         <p:txBody>
@@ -2198,45 +2196,45 @@
           <a:lstStyle>
             <a:lvl1pPr marL="0" indent="0">
               <a:buNone/>
-              <a:defRPr sz="1400"/>
+              <a:defRPr sz="1050"/>
             </a:lvl1pPr>
-            <a:lvl2pPr marL="457200" indent="0">
-              <a:buNone/>
-              <a:defRPr sz="1200"/>
+            <a:lvl2pPr marL="342900" indent="0">
+              <a:buNone/>
+              <a:defRPr sz="900"/>
             </a:lvl2pPr>
-            <a:lvl3pPr marL="914400" indent="0">
-              <a:buNone/>
-              <a:defRPr sz="1000"/>
+            <a:lvl3pPr marL="685800" indent="0">
+              <a:buNone/>
+              <a:defRPr sz="750"/>
             </a:lvl3pPr>
-            <a:lvl4pPr marL="1371600" indent="0">
-              <a:buNone/>
-              <a:defRPr sz="900"/>
+            <a:lvl4pPr marL="1028700" indent="0">
+              <a:buNone/>
+              <a:defRPr sz="675"/>
             </a:lvl4pPr>
-            <a:lvl5pPr marL="1828800" indent="0">
-              <a:buNone/>
-              <a:defRPr sz="900"/>
+            <a:lvl5pPr marL="1371600" indent="0">
+              <a:buNone/>
+              <a:defRPr sz="675"/>
             </a:lvl5pPr>
-            <a:lvl6pPr marL="2286000" indent="0">
-              <a:buNone/>
-              <a:defRPr sz="900"/>
+            <a:lvl6pPr marL="1714500" indent="0">
+              <a:buNone/>
+              <a:defRPr sz="675"/>
             </a:lvl6pPr>
-            <a:lvl7pPr marL="2743200" indent="0">
-              <a:buNone/>
-              <a:defRPr sz="900"/>
+            <a:lvl7pPr marL="2057400" indent="0">
+              <a:buNone/>
+              <a:defRPr sz="675"/>
             </a:lvl7pPr>
-            <a:lvl8pPr marL="3200400" indent="0">
-              <a:buNone/>
-              <a:defRPr sz="900"/>
+            <a:lvl8pPr marL="2400300" indent="0">
+              <a:buNone/>
+              <a:defRPr sz="675"/>
             </a:lvl8pPr>
-            <a:lvl9pPr marL="3657600" indent="0">
-              <a:buNone/>
-              <a:defRPr sz="900"/>
+            <a:lvl9pPr marL="2743200" indent="0">
+              <a:buNone/>
+              <a:defRPr sz="675"/>
             </a:lvl9pPr>
           </a:lstStyle>
           <a:p>
             <a:pPr lvl="0"/>
             <a:r>
-              <a:rPr lang="en-US" smtClean="0"/>
+              <a:rPr lang="en-US"/>
               <a:t>Click to edit Master text styles</a:t>
             </a:r>
           </a:p>
@@ -2259,7 +2257,7 @@
           <a:p>
             <a:fld id="{5BCAD085-E8A6-8845-BD4E-CB4CCA059FC4}" type="datetimeFigureOut">
               <a:rPr lang="en-US" smtClean="0"/>
-              <a:t>1/27/13</a:t>
+              <a:t>6/25/25</a:t>
             </a:fld>
             <a:endParaRPr lang="en-US"/>
           </a:p>
@@ -2349,23 +2347,22 @@
         </p:nvSpPr>
         <p:spPr>
           <a:xfrm>
-            <a:off x="1792288" y="4800600"/>
-            <a:ext cx="5486400" cy="566738"/>
+            <a:off x="1792288" y="3600450"/>
+            <a:ext cx="5486400" cy="425054"/>
           </a:xfrm>
         </p:spPr>
         <p:txBody>
           <a:bodyPr anchor="b"/>
           <a:lstStyle>
             <a:lvl1pPr algn="l">
-              <a:defRPr sz="2000" b="1"/>
+              <a:defRPr sz="1500" b="1"/>
             </a:lvl1pPr>
           </a:lstStyle>
           <a:p>
             <a:r>
-              <a:rPr lang="en-US" smtClean="0"/>
+              <a:rPr lang="en-US"/>
               <a:t>Click to edit Master title style</a:t>
             </a:r>
-            <a:endParaRPr lang="en-US"/>
           </a:p>
         </p:txBody>
       </p:sp>
@@ -2381,8 +2378,8 @@
         </p:nvSpPr>
         <p:spPr>
           <a:xfrm>
-            <a:off x="1792288" y="612775"/>
-            <a:ext cx="5486400" cy="4114800"/>
+            <a:off x="1792288" y="459581"/>
+            <a:ext cx="5486400" cy="3086100"/>
           </a:xfrm>
         </p:spPr>
         <p:txBody>
@@ -2390,39 +2387,39 @@
           <a:lstStyle>
             <a:lvl1pPr marL="0" indent="0">
               <a:buNone/>
-              <a:defRPr sz="3200"/>
+              <a:defRPr sz="2400"/>
             </a:lvl1pPr>
-            <a:lvl2pPr marL="457200" indent="0">
-              <a:buNone/>
-              <a:defRPr sz="2800"/>
+            <a:lvl2pPr marL="342900" indent="0">
+              <a:buNone/>
+              <a:defRPr sz="2100"/>
             </a:lvl2pPr>
-            <a:lvl3pPr marL="914400" indent="0">
-              <a:buNone/>
-              <a:defRPr sz="2400"/>
+            <a:lvl3pPr marL="685800" indent="0">
+              <a:buNone/>
+              <a:defRPr sz="1800"/>
             </a:lvl3pPr>
-            <a:lvl4pPr marL="1371600" indent="0">
-              <a:buNone/>
-              <a:defRPr sz="2000"/>
+            <a:lvl4pPr marL="1028700" indent="0">
+              <a:buNone/>
+              <a:defRPr sz="1500"/>
             </a:lvl4pPr>
-            <a:lvl5pPr marL="1828800" indent="0">
-              <a:buNone/>
-              <a:defRPr sz="2000"/>
+            <a:lvl5pPr marL="1371600" indent="0">
+              <a:buNone/>
+              <a:defRPr sz="1500"/>
             </a:lvl5pPr>
-            <a:lvl6pPr marL="2286000" indent="0">
-              <a:buNone/>
-              <a:defRPr sz="2000"/>
+            <a:lvl6pPr marL="1714500" indent="0">
+              <a:buNone/>
+              <a:defRPr sz="1500"/>
             </a:lvl6pPr>
-            <a:lvl7pPr marL="2743200" indent="0">
-              <a:buNone/>
-              <a:defRPr sz="2000"/>
+            <a:lvl7pPr marL="2057400" indent="0">
+              <a:buNone/>
+              <a:defRPr sz="1500"/>
             </a:lvl7pPr>
-            <a:lvl8pPr marL="3200400" indent="0">
-              <a:buNone/>
-              <a:defRPr sz="2000"/>
+            <a:lvl8pPr marL="2400300" indent="0">
+              <a:buNone/>
+              <a:defRPr sz="1500"/>
             </a:lvl8pPr>
-            <a:lvl9pPr marL="3657600" indent="0">
-              <a:buNone/>
-              <a:defRPr sz="2000"/>
+            <a:lvl9pPr marL="2743200" indent="0">
+              <a:buNone/>
+              <a:defRPr sz="1500"/>
             </a:lvl9pPr>
           </a:lstStyle>
           <a:p>
@@ -2442,8 +2439,8 @@
         </p:nvSpPr>
         <p:spPr>
           <a:xfrm>
-            <a:off x="1792288" y="5367338"/>
-            <a:ext cx="5486400" cy="804862"/>
+            <a:off x="1792288" y="4025503"/>
+            <a:ext cx="5486400" cy="603647"/>
           </a:xfrm>
         </p:spPr>
         <p:txBody>
@@ -2451,45 +2448,45 @@
           <a:lstStyle>
             <a:lvl1pPr marL="0" indent="0">
               <a:buNone/>
-              <a:defRPr sz="1400"/>
+              <a:defRPr sz="1050"/>
             </a:lvl1pPr>
-            <a:lvl2pPr marL="457200" indent="0">
-              <a:buNone/>
-              <a:defRPr sz="1200"/>
+            <a:lvl2pPr marL="342900" indent="0">
+              <a:buNone/>
+              <a:defRPr sz="900"/>
             </a:lvl2pPr>
-            <a:lvl3pPr marL="914400" indent="0">
-              <a:buNone/>
-              <a:defRPr sz="1000"/>
+            <a:lvl3pPr marL="685800" indent="0">
+              <a:buNone/>
+              <a:defRPr sz="750"/>
             </a:lvl3pPr>
-            <a:lvl4pPr marL="1371600" indent="0">
-              <a:buNone/>
-              <a:defRPr sz="900"/>
+            <a:lvl4pPr marL="1028700" indent="0">
+              <a:buNone/>
+              <a:defRPr sz="675"/>
             </a:lvl4pPr>
-            <a:lvl5pPr marL="1828800" indent="0">
-              <a:buNone/>
-              <a:defRPr sz="900"/>
+            <a:lvl5pPr marL="1371600" indent="0">
+              <a:buNone/>
+              <a:defRPr sz="675"/>
             </a:lvl5pPr>
-            <a:lvl6pPr marL="2286000" indent="0">
-              <a:buNone/>
-              <a:defRPr sz="900"/>
+            <a:lvl6pPr marL="1714500" indent="0">
+              <a:buNone/>
+              <a:defRPr sz="675"/>
             </a:lvl6pPr>
-            <a:lvl7pPr marL="2743200" indent="0">
-              <a:buNone/>
-              <a:defRPr sz="900"/>
+            <a:lvl7pPr marL="2057400" indent="0">
+              <a:buNone/>
+              <a:defRPr sz="675"/>
             </a:lvl7pPr>
-            <a:lvl8pPr marL="3200400" indent="0">
-              <a:buNone/>
-              <a:defRPr sz="900"/>
+            <a:lvl8pPr marL="2400300" indent="0">
+              <a:buNone/>
+              <a:defRPr sz="675"/>
             </a:lvl8pPr>
-            <a:lvl9pPr marL="3657600" indent="0">
-              <a:buNone/>
-              <a:defRPr sz="900"/>
+            <a:lvl9pPr marL="2743200" indent="0">
+              <a:buNone/>
+              <a:defRPr sz="675"/>
             </a:lvl9pPr>
           </a:lstStyle>
           <a:p>
             <a:pPr lvl="0"/>
             <a:r>
-              <a:rPr lang="en-US" smtClean="0"/>
+              <a:rPr lang="en-US"/>
               <a:t>Click to edit Master text styles</a:t>
             </a:r>
           </a:p>
@@ -2512,7 +2509,7 @@
           <a:p>
             <a:fld id="{5BCAD085-E8A6-8845-BD4E-CB4CCA059FC4}" type="datetimeFigureOut">
               <a:rPr lang="en-US" smtClean="0"/>
-              <a:t>1/27/13</a:t>
+              <a:t>6/25/25</a:t>
             </a:fld>
             <a:endParaRPr lang="en-US"/>
           </a:p>
@@ -2607,8 +2604,8 @@
         </p:nvSpPr>
         <p:spPr>
           <a:xfrm>
-            <a:off x="457200" y="274638"/>
-            <a:ext cx="8229600" cy="1143000"/>
+            <a:off x="457200" y="205978"/>
+            <a:ext cx="8229600" cy="857250"/>
           </a:xfrm>
           <a:prstGeom prst="rect">
             <a:avLst/>
@@ -2621,10 +2618,9 @@
           <a:lstStyle/>
           <a:p>
             <a:r>
-              <a:rPr lang="en-US" smtClean="0"/>
+              <a:rPr lang="en-US"/>
               <a:t>Click to edit Master title style</a:t>
             </a:r>
-            <a:endParaRPr lang="en-US"/>
           </a:p>
         </p:txBody>
       </p:sp>
@@ -2640,8 +2636,8 @@
         </p:nvSpPr>
         <p:spPr>
           <a:xfrm>
-            <a:off x="457200" y="1600200"/>
-            <a:ext cx="8229600" cy="4525963"/>
+            <a:off x="457200" y="1200151"/>
+            <a:ext cx="8229600" cy="3394472"/>
           </a:xfrm>
           <a:prstGeom prst="rect">
             <a:avLst/>
@@ -2655,38 +2651,37 @@
           <a:p>
             <a:pPr lvl="0"/>
             <a:r>
-              <a:rPr lang="en-US" smtClean="0"/>
+              <a:rPr lang="en-US"/>
               <a:t>Click to edit Master text styles</a:t>
             </a:r>
           </a:p>
           <a:p>
             <a:pPr lvl="1"/>
             <a:r>
-              <a:rPr lang="en-US" smtClean="0"/>
+              <a:rPr lang="en-US"/>
               <a:t>Second level</a:t>
             </a:r>
           </a:p>
           <a:p>
             <a:pPr lvl="2"/>
             <a:r>
-              <a:rPr lang="en-US" smtClean="0"/>
+              <a:rPr lang="en-US"/>
               <a:t>Third level</a:t>
             </a:r>
           </a:p>
           <a:p>
             <a:pPr lvl="3"/>
             <a:r>
-              <a:rPr lang="en-US" smtClean="0"/>
+              <a:rPr lang="en-US"/>
               <a:t>Fourth level</a:t>
             </a:r>
           </a:p>
           <a:p>
             <a:pPr lvl="4"/>
             <a:r>
-              <a:rPr lang="en-US" smtClean="0"/>
+              <a:rPr lang="en-US"/>
               <a:t>Fifth level</a:t>
             </a:r>
-            <a:endParaRPr lang="en-US"/>
           </a:p>
         </p:txBody>
       </p:sp>
@@ -2702,8 +2697,8 @@
         </p:nvSpPr>
         <p:spPr>
           <a:xfrm>
-            <a:off x="457200" y="6356350"/>
-            <a:ext cx="2133600" cy="365125"/>
+            <a:off x="457200" y="4767263"/>
+            <a:ext cx="2133600" cy="273844"/>
           </a:xfrm>
           <a:prstGeom prst="rect">
             <a:avLst/>
@@ -2713,7 +2708,7 @@
           <a:bodyPr vert="horz" lIns="91440" tIns="45720" rIns="91440" bIns="45720" rtlCol="0" anchor="ctr"/>
           <a:lstStyle>
             <a:lvl1pPr algn="l">
-              <a:defRPr sz="1200">
+              <a:defRPr sz="900">
                 <a:solidFill>
                   <a:schemeClr val="tx1">
                     <a:tint val="75000"/>
@@ -2725,7 +2720,7 @@
           <a:p>
             <a:fld id="{5BCAD085-E8A6-8845-BD4E-CB4CCA059FC4}" type="datetimeFigureOut">
               <a:rPr lang="en-US" smtClean="0"/>
-              <a:t>1/27/13</a:t>
+              <a:t>6/25/25</a:t>
             </a:fld>
             <a:endParaRPr lang="en-US"/>
           </a:p>
@@ -2743,8 +2738,8 @@
         </p:nvSpPr>
         <p:spPr>
           <a:xfrm>
-            <a:off x="3124200" y="6356350"/>
-            <a:ext cx="2895600" cy="365125"/>
+            <a:off x="3124200" y="4767263"/>
+            <a:ext cx="2895600" cy="273844"/>
           </a:xfrm>
           <a:prstGeom prst="rect">
             <a:avLst/>
@@ -2754,7 +2749,7 @@
           <a:bodyPr vert="horz" lIns="91440" tIns="45720" rIns="91440" bIns="45720" rtlCol="0" anchor="ctr"/>
           <a:lstStyle>
             <a:lvl1pPr algn="ctr">
-              <a:defRPr sz="1200">
+              <a:defRPr sz="900">
                 <a:solidFill>
                   <a:schemeClr val="tx1">
                     <a:tint val="75000"/>
@@ -2780,8 +2775,8 @@
         </p:nvSpPr>
         <p:spPr>
           <a:xfrm>
-            <a:off x="6553200" y="6356350"/>
-            <a:ext cx="2133600" cy="365125"/>
+            <a:off x="6553200" y="4767263"/>
+            <a:ext cx="2133600" cy="273844"/>
           </a:xfrm>
           <a:prstGeom prst="rect">
             <a:avLst/>
@@ -2791,7 +2786,7 @@
           <a:bodyPr vert="horz" lIns="91440" tIns="45720" rIns="91440" bIns="45720" rtlCol="0" anchor="ctr"/>
           <a:lstStyle>
             <a:lvl1pPr algn="r">
-              <a:defRPr sz="1200">
+              <a:defRPr sz="900">
                 <a:solidFill>
                   <a:schemeClr val="tx1">
                     <a:tint val="75000"/>
@@ -2832,12 +2827,12 @@
   </p:sldLayoutIdLst>
   <p:txStyles>
     <p:titleStyle>
-      <a:lvl1pPr algn="ctr" defTabSz="457200" rtl="0" eaLnBrk="1" latinLnBrk="0" hangingPunct="1">
+      <a:lvl1pPr algn="ctr" defTabSz="342900" rtl="0" eaLnBrk="1" latinLnBrk="0" hangingPunct="1">
         <a:spcBef>
           <a:spcPct val="0"/>
         </a:spcBef>
         <a:buNone/>
-        <a:defRPr sz="4400" kern="1200">
+        <a:defRPr sz="3300" kern="1200">
           <a:solidFill>
             <a:schemeClr val="tx1"/>
           </a:solidFill>
@@ -2848,37 +2843,7 @@
       </a:lvl1pPr>
     </p:titleStyle>
     <p:bodyStyle>
-      <a:lvl1pPr marL="342900" indent="-342900" algn="l" defTabSz="457200" rtl="0" eaLnBrk="1" latinLnBrk="0" hangingPunct="1">
-        <a:spcBef>
-          <a:spcPct val="20000"/>
-        </a:spcBef>
-        <a:buFont typeface="Arial"/>
-        <a:buChar char="•"/>
-        <a:defRPr sz="3200" kern="1200">
-          <a:solidFill>
-            <a:schemeClr val="tx1"/>
-          </a:solidFill>
-          <a:latin typeface="+mn-lt"/>
-          <a:ea typeface="+mn-ea"/>
-          <a:cs typeface="+mn-cs"/>
-        </a:defRPr>
-      </a:lvl1pPr>
-      <a:lvl2pPr marL="742950" indent="-285750" algn="l" defTabSz="457200" rtl="0" eaLnBrk="1" latinLnBrk="0" hangingPunct="1">
-        <a:spcBef>
-          <a:spcPct val="20000"/>
-        </a:spcBef>
-        <a:buFont typeface="Arial"/>
-        <a:buChar char="–"/>
-        <a:defRPr sz="2800" kern="1200">
-          <a:solidFill>
-            <a:schemeClr val="tx1"/>
-          </a:solidFill>
-          <a:latin typeface="+mn-lt"/>
-          <a:ea typeface="+mn-ea"/>
-          <a:cs typeface="+mn-cs"/>
-        </a:defRPr>
-      </a:lvl2pPr>
-      <a:lvl3pPr marL="1143000" indent="-228600" algn="l" defTabSz="457200" rtl="0" eaLnBrk="1" latinLnBrk="0" hangingPunct="1">
+      <a:lvl1pPr marL="257175" indent="-257175" algn="l" defTabSz="342900" rtl="0" eaLnBrk="1" latinLnBrk="0" hangingPunct="1">
         <a:spcBef>
           <a:spcPct val="20000"/>
         </a:spcBef>
@@ -2892,14 +2857,44 @@
           <a:ea typeface="+mn-ea"/>
           <a:cs typeface="+mn-cs"/>
         </a:defRPr>
-      </a:lvl3pPr>
-      <a:lvl4pPr marL="1600200" indent="-228600" algn="l" defTabSz="457200" rtl="0" eaLnBrk="1" latinLnBrk="0" hangingPunct="1">
+      </a:lvl1pPr>
+      <a:lvl2pPr marL="557213" indent="-214313" algn="l" defTabSz="342900" rtl="0" eaLnBrk="1" latinLnBrk="0" hangingPunct="1">
         <a:spcBef>
           <a:spcPct val="20000"/>
         </a:spcBef>
         <a:buFont typeface="Arial"/>
         <a:buChar char="–"/>
-        <a:defRPr sz="2000" kern="1200">
+        <a:defRPr sz="2100" kern="1200">
+          <a:solidFill>
+            <a:schemeClr val="tx1"/>
+          </a:solidFill>
+          <a:latin typeface="+mn-lt"/>
+          <a:ea typeface="+mn-ea"/>
+          <a:cs typeface="+mn-cs"/>
+        </a:defRPr>
+      </a:lvl2pPr>
+      <a:lvl3pPr marL="857250" indent="-171450" algn="l" defTabSz="342900" rtl="0" eaLnBrk="1" latinLnBrk="0" hangingPunct="1">
+        <a:spcBef>
+          <a:spcPct val="20000"/>
+        </a:spcBef>
+        <a:buFont typeface="Arial"/>
+        <a:buChar char="•"/>
+        <a:defRPr sz="1800" kern="1200">
+          <a:solidFill>
+            <a:schemeClr val="tx1"/>
+          </a:solidFill>
+          <a:latin typeface="+mn-lt"/>
+          <a:ea typeface="+mn-ea"/>
+          <a:cs typeface="+mn-cs"/>
+        </a:defRPr>
+      </a:lvl3pPr>
+      <a:lvl4pPr marL="1200150" indent="-171450" algn="l" defTabSz="342900" rtl="0" eaLnBrk="1" latinLnBrk="0" hangingPunct="1">
+        <a:spcBef>
+          <a:spcPct val="20000"/>
+        </a:spcBef>
+        <a:buFont typeface="Arial"/>
+        <a:buChar char="–"/>
+        <a:defRPr sz="1500" kern="1200">
           <a:solidFill>
             <a:schemeClr val="tx1"/>
           </a:solidFill>
@@ -2908,13 +2903,13 @@
           <a:cs typeface="+mn-cs"/>
         </a:defRPr>
       </a:lvl4pPr>
-      <a:lvl5pPr marL="2057400" indent="-228600" algn="l" defTabSz="457200" rtl="0" eaLnBrk="1" latinLnBrk="0" hangingPunct="1">
+      <a:lvl5pPr marL="1543050" indent="-171450" algn="l" defTabSz="342900" rtl="0" eaLnBrk="1" latinLnBrk="0" hangingPunct="1">
         <a:spcBef>
           <a:spcPct val="20000"/>
         </a:spcBef>
         <a:buFont typeface="Arial"/>
         <a:buChar char="»"/>
-        <a:defRPr sz="2000" kern="1200">
+        <a:defRPr sz="1500" kern="1200">
           <a:solidFill>
             <a:schemeClr val="tx1"/>
           </a:solidFill>
@@ -2923,13 +2918,13 @@
           <a:cs typeface="+mn-cs"/>
         </a:defRPr>
       </a:lvl5pPr>
-      <a:lvl6pPr marL="2514600" indent="-228600" algn="l" defTabSz="457200" rtl="0" eaLnBrk="1" latinLnBrk="0" hangingPunct="1">
+      <a:lvl6pPr marL="1885950" indent="-171450" algn="l" defTabSz="342900" rtl="0" eaLnBrk="1" latinLnBrk="0" hangingPunct="1">
         <a:spcBef>
           <a:spcPct val="20000"/>
         </a:spcBef>
         <a:buFont typeface="Arial"/>
         <a:buChar char="•"/>
-        <a:defRPr sz="2000" kern="1200">
+        <a:defRPr sz="1500" kern="1200">
           <a:solidFill>
             <a:schemeClr val="tx1"/>
           </a:solidFill>
@@ -2938,13 +2933,13 @@
           <a:cs typeface="+mn-cs"/>
         </a:defRPr>
       </a:lvl6pPr>
-      <a:lvl7pPr marL="2971800" indent="-228600" algn="l" defTabSz="457200" rtl="0" eaLnBrk="1" latinLnBrk="0" hangingPunct="1">
+      <a:lvl7pPr marL="2228850" indent="-171450" algn="l" defTabSz="342900" rtl="0" eaLnBrk="1" latinLnBrk="0" hangingPunct="1">
         <a:spcBef>
           <a:spcPct val="20000"/>
         </a:spcBef>
         <a:buFont typeface="Arial"/>
         <a:buChar char="•"/>
-        <a:defRPr sz="2000" kern="1200">
+        <a:defRPr sz="1500" kern="1200">
           <a:solidFill>
             <a:schemeClr val="tx1"/>
           </a:solidFill>
@@ -2953,13 +2948,13 @@
           <a:cs typeface="+mn-cs"/>
         </a:defRPr>
       </a:lvl7pPr>
-      <a:lvl8pPr marL="3429000" indent="-228600" algn="l" defTabSz="457200" rtl="0" eaLnBrk="1" latinLnBrk="0" hangingPunct="1">
+      <a:lvl8pPr marL="2571750" indent="-171450" algn="l" defTabSz="342900" rtl="0" eaLnBrk="1" latinLnBrk="0" hangingPunct="1">
         <a:spcBef>
           <a:spcPct val="20000"/>
         </a:spcBef>
         <a:buFont typeface="Arial"/>
         <a:buChar char="•"/>
-        <a:defRPr sz="2000" kern="1200">
+        <a:defRPr sz="1500" kern="1200">
           <a:solidFill>
             <a:schemeClr val="tx1"/>
           </a:solidFill>
@@ -2968,13 +2963,13 @@
           <a:cs typeface="+mn-cs"/>
         </a:defRPr>
       </a:lvl8pPr>
-      <a:lvl9pPr marL="3886200" indent="-228600" algn="l" defTabSz="457200" rtl="0" eaLnBrk="1" latinLnBrk="0" hangingPunct="1">
+      <a:lvl9pPr marL="2914650" indent="-171450" algn="l" defTabSz="342900" rtl="0" eaLnBrk="1" latinLnBrk="0" hangingPunct="1">
         <a:spcBef>
           <a:spcPct val="20000"/>
         </a:spcBef>
         <a:buFont typeface="Arial"/>
         <a:buChar char="•"/>
-        <a:defRPr sz="2000" kern="1200">
+        <a:defRPr sz="1500" kern="1200">
           <a:solidFill>
             <a:schemeClr val="tx1"/>
           </a:solidFill>
@@ -2988,8 +2983,8 @@
       <a:defPPr>
         <a:defRPr lang="en-US"/>
       </a:defPPr>
-      <a:lvl1pPr marL="0" algn="l" defTabSz="457200" rtl="0" eaLnBrk="1" latinLnBrk="0" hangingPunct="1">
-        <a:defRPr sz="1800" kern="1200">
+      <a:lvl1pPr marL="0" algn="l" defTabSz="342900" rtl="0" eaLnBrk="1" latinLnBrk="0" hangingPunct="1">
+        <a:defRPr sz="1350" kern="1200">
           <a:solidFill>
             <a:schemeClr val="tx1"/>
           </a:solidFill>
@@ -2998,8 +2993,8 @@
           <a:cs typeface="+mn-cs"/>
         </a:defRPr>
       </a:lvl1pPr>
-      <a:lvl2pPr marL="457200" algn="l" defTabSz="457200" rtl="0" eaLnBrk="1" latinLnBrk="0" hangingPunct="1">
-        <a:defRPr sz="1800" kern="1200">
+      <a:lvl2pPr marL="342900" algn="l" defTabSz="342900" rtl="0" eaLnBrk="1" latinLnBrk="0" hangingPunct="1">
+        <a:defRPr sz="1350" kern="1200">
           <a:solidFill>
             <a:schemeClr val="tx1"/>
           </a:solidFill>
@@ -3008,8 +3003,8 @@
           <a:cs typeface="+mn-cs"/>
         </a:defRPr>
       </a:lvl2pPr>
-      <a:lvl3pPr marL="914400" algn="l" defTabSz="457200" rtl="0" eaLnBrk="1" latinLnBrk="0" hangingPunct="1">
-        <a:defRPr sz="1800" kern="1200">
+      <a:lvl3pPr marL="685800" algn="l" defTabSz="342900" rtl="0" eaLnBrk="1" latinLnBrk="0" hangingPunct="1">
+        <a:defRPr sz="1350" kern="1200">
           <a:solidFill>
             <a:schemeClr val="tx1"/>
           </a:solidFill>
@@ -3018,8 +3013,8 @@
           <a:cs typeface="+mn-cs"/>
         </a:defRPr>
       </a:lvl3pPr>
-      <a:lvl4pPr marL="1371600" algn="l" defTabSz="457200" rtl="0" eaLnBrk="1" latinLnBrk="0" hangingPunct="1">
-        <a:defRPr sz="1800" kern="1200">
+      <a:lvl4pPr marL="1028700" algn="l" defTabSz="342900" rtl="0" eaLnBrk="1" latinLnBrk="0" hangingPunct="1">
+        <a:defRPr sz="1350" kern="1200">
           <a:solidFill>
             <a:schemeClr val="tx1"/>
           </a:solidFill>
@@ -3028,8 +3023,8 @@
           <a:cs typeface="+mn-cs"/>
         </a:defRPr>
       </a:lvl4pPr>
-      <a:lvl5pPr marL="1828800" algn="l" defTabSz="457200" rtl="0" eaLnBrk="1" latinLnBrk="0" hangingPunct="1">
-        <a:defRPr sz="1800" kern="1200">
+      <a:lvl5pPr marL="1371600" algn="l" defTabSz="342900" rtl="0" eaLnBrk="1" latinLnBrk="0" hangingPunct="1">
+        <a:defRPr sz="1350" kern="1200">
           <a:solidFill>
             <a:schemeClr val="tx1"/>
           </a:solidFill>
@@ -3038,8 +3033,8 @@
           <a:cs typeface="+mn-cs"/>
         </a:defRPr>
       </a:lvl5pPr>
-      <a:lvl6pPr marL="2286000" algn="l" defTabSz="457200" rtl="0" eaLnBrk="1" latinLnBrk="0" hangingPunct="1">
-        <a:defRPr sz="1800" kern="1200">
+      <a:lvl6pPr marL="1714500" algn="l" defTabSz="342900" rtl="0" eaLnBrk="1" latinLnBrk="0" hangingPunct="1">
+        <a:defRPr sz="1350" kern="1200">
           <a:solidFill>
             <a:schemeClr val="tx1"/>
           </a:solidFill>
@@ -3048,8 +3043,8 @@
           <a:cs typeface="+mn-cs"/>
         </a:defRPr>
       </a:lvl6pPr>
-      <a:lvl7pPr marL="2743200" algn="l" defTabSz="457200" rtl="0" eaLnBrk="1" latinLnBrk="0" hangingPunct="1">
-        <a:defRPr sz="1800" kern="1200">
+      <a:lvl7pPr marL="2057400" algn="l" defTabSz="342900" rtl="0" eaLnBrk="1" latinLnBrk="0" hangingPunct="1">
+        <a:defRPr sz="1350" kern="1200">
           <a:solidFill>
             <a:schemeClr val="tx1"/>
           </a:solidFill>
@@ -3058,8 +3053,8 @@
           <a:cs typeface="+mn-cs"/>
         </a:defRPr>
       </a:lvl7pPr>
-      <a:lvl8pPr marL="3200400" algn="l" defTabSz="457200" rtl="0" eaLnBrk="1" latinLnBrk="0" hangingPunct="1">
-        <a:defRPr sz="1800" kern="1200">
+      <a:lvl8pPr marL="2400300" algn="l" defTabSz="342900" rtl="0" eaLnBrk="1" latinLnBrk="0" hangingPunct="1">
+        <a:defRPr sz="1350" kern="1200">
           <a:solidFill>
             <a:schemeClr val="tx1"/>
           </a:solidFill>
@@ -3068,8 +3063,8 @@
           <a:cs typeface="+mn-cs"/>
         </a:defRPr>
       </a:lvl8pPr>
-      <a:lvl9pPr marL="3657600" algn="l" defTabSz="457200" rtl="0" eaLnBrk="1" latinLnBrk="0" hangingPunct="1">
-        <a:defRPr sz="1800" kern="1200">
+      <a:lvl9pPr marL="2743200" algn="l" defTabSz="342900" rtl="0" eaLnBrk="1" latinLnBrk="0" hangingPunct="1">
+        <a:defRPr sz="1350" kern="1200">
           <a:solidFill>
             <a:schemeClr val="tx1"/>
           </a:solidFill>
@@ -3084,7 +3079,7 @@
 </file>
 
 <file path=ppt/slides/slide1.xml><?xml version="1.0" encoding="utf-8"?>
-<p:sld xmlns:a="http://schemas.openxmlformats.org/drawingml/2006/main" xmlns:p="http://schemas.openxmlformats.org/presentationml/2006/main" xmlns:r="http://schemas.openxmlformats.org/officeDocument/2006/relationships">
+<p:sld xmlns:a="http://schemas.openxmlformats.org/drawingml/2006/main" xmlns:r="http://schemas.openxmlformats.org/officeDocument/2006/relationships" xmlns:p="http://schemas.openxmlformats.org/presentationml/2006/main">
   <p:cSld>
     <p:spTree>
       <p:nvGrpSpPr>
@@ -3092,7 +3087,14 @@
         <p:cNvGrpSpPr/>
         <p:nvPr/>
       </p:nvGrpSpPr>
-      <p:grpSpPr/>
+      <p:grpSpPr>
+        <a:xfrm>
+          <a:off x="0" y="0"/>
+          <a:ext cx="0" cy="0"/>
+          <a:chOff x="0" y="0"/>
+          <a:chExt cx="0" cy="0"/>
+        </a:xfrm>
+      </p:grpSpPr>
       <p:sp>
         <p:nvSpPr>
           <p:cNvPr id="2" name="Title 1"/>
@@ -3144,7 +3146,7 @@
 </file>
 
 <file path=ppt/slides/slide2.xml><?xml version="1.0" encoding="utf-8"?>
-<p:sld xmlns:a="http://schemas.openxmlformats.org/drawingml/2006/main" xmlns:p="http://schemas.openxmlformats.org/presentationml/2006/main" xmlns:r="http://schemas.openxmlformats.org/officeDocument/2006/relationships">
+<p:sld xmlns:a="http://schemas.openxmlformats.org/drawingml/2006/main" xmlns:r="http://schemas.openxmlformats.org/officeDocument/2006/relationships" xmlns:p="http://schemas.openxmlformats.org/presentationml/2006/main">
   <p:cSld>
     <p:spTree>
       <p:nvGrpSpPr>
@@ -3152,7 +3154,14 @@
         <p:cNvGrpSpPr/>
         <p:nvPr/>
       </p:nvGrpSpPr>
-      <p:grpSpPr/>
+      <p:grpSpPr>
+        <a:xfrm>
+          <a:off x="0" y="0"/>
+          <a:ext cx="0" cy="0"/>
+          <a:chOff x="0" y="0"/>
+          <a:chExt cx="0" cy="0"/>
+        </a:xfrm>
+      </p:grpSpPr>
       <p:sp>
         <p:nvSpPr>
           <p:cNvPr id="2" name="Title 1"/>
@@ -3214,7 +3223,7 @@
 </file>
 
 <file path=ppt/slides/slide3.xml><?xml version="1.0" encoding="utf-8"?>
-<p:sld xmlns:a="http://schemas.openxmlformats.org/drawingml/2006/main" xmlns:p="http://schemas.openxmlformats.org/presentationml/2006/main" xmlns:r="http://schemas.openxmlformats.org/officeDocument/2006/relationships">
+<p:sld xmlns:a="http://schemas.openxmlformats.org/drawingml/2006/main" xmlns:r="http://schemas.openxmlformats.org/officeDocument/2006/relationships" xmlns:p="http://schemas.openxmlformats.org/presentationml/2006/main">
   <p:cSld>
     <p:spTree>
       <p:nvGrpSpPr>
@@ -3222,7 +3231,14 @@
         <p:cNvGrpSpPr/>
         <p:nvPr/>
       </p:nvGrpSpPr>
-      <p:grpSpPr/>
+      <p:grpSpPr>
+        <a:xfrm>
+          <a:off x="0" y="0"/>
+          <a:ext cx="0" cy="0"/>
+          <a:chOff x="0" y="0"/>
+          <a:chExt cx="0" cy="0"/>
+        </a:xfrm>
+      </p:grpSpPr>
       <p:sp>
         <p:nvSpPr>
           <p:cNvPr id="2" name="Title 1"/>
@@ -3279,7 +3295,7 @@
 </file>
 
 <file path=ppt/slides/slide4.xml><?xml version="1.0" encoding="utf-8"?>
-<p:sld xmlns:a="http://schemas.openxmlformats.org/drawingml/2006/main" xmlns:p="http://schemas.openxmlformats.org/presentationml/2006/main" xmlns:r="http://schemas.openxmlformats.org/officeDocument/2006/relationships">
+<p:sld xmlns:a="http://schemas.openxmlformats.org/drawingml/2006/main" xmlns:r="http://schemas.openxmlformats.org/officeDocument/2006/relationships" xmlns:p="http://schemas.openxmlformats.org/presentationml/2006/main">
   <p:cSld>
     <p:spTree>
       <p:nvGrpSpPr>
@@ -3287,7 +3303,14 @@
         <p:cNvGrpSpPr/>
         <p:nvPr/>
       </p:nvGrpSpPr>
-      <p:grpSpPr/>
+      <p:grpSpPr>
+        <a:xfrm>
+          <a:off x="0" y="0"/>
+          <a:ext cx="0" cy="0"/>
+          <a:chOff x="0" y="0"/>
+          <a:chExt cx="0" cy="0"/>
+        </a:xfrm>
+      </p:grpSpPr>
       <p:sp>
         <p:nvSpPr>
           <p:cNvPr id="2" name="Title 1"/>
@@ -3349,7 +3372,7 @@
 </file>
 
 <file path=ppt/slides/slide5.xml><?xml version="1.0" encoding="utf-8"?>
-<p:sld xmlns:a="http://schemas.openxmlformats.org/drawingml/2006/main" xmlns:p="http://schemas.openxmlformats.org/presentationml/2006/main" xmlns:r="http://schemas.openxmlformats.org/officeDocument/2006/relationships">
+<p:sld xmlns:a="http://schemas.openxmlformats.org/drawingml/2006/main" xmlns:r="http://schemas.openxmlformats.org/officeDocument/2006/relationships" xmlns:p="http://schemas.openxmlformats.org/presentationml/2006/main">
   <p:cSld>
     <p:spTree>
       <p:nvGrpSpPr>
@@ -3357,7 +3380,14 @@
         <p:cNvGrpSpPr/>
         <p:nvPr/>
       </p:nvGrpSpPr>
-      <p:grpSpPr/>
+      <p:grpSpPr>
+        <a:xfrm>
+          <a:off x="0" y="0"/>
+          <a:ext cx="0" cy="0"/>
+          <a:chOff x="0" y="0"/>
+          <a:chExt cx="0" cy="0"/>
+        </a:xfrm>
+      </p:grpSpPr>
       <p:sp>
         <p:nvSpPr>
           <p:cNvPr id="2" name="Title 1"/>
@@ -3419,7 +3449,7 @@
 </file>
 
 <file path=ppt/slides/slide6.xml><?xml version="1.0" encoding="utf-8"?>
-<p:sld xmlns:a="http://schemas.openxmlformats.org/drawingml/2006/main" xmlns:p="http://schemas.openxmlformats.org/presentationml/2006/main" xmlns:r="http://schemas.openxmlformats.org/officeDocument/2006/relationships">
+<p:sld xmlns:a="http://schemas.openxmlformats.org/drawingml/2006/main" xmlns:r="http://schemas.openxmlformats.org/officeDocument/2006/relationships" xmlns:p="http://schemas.openxmlformats.org/presentationml/2006/main">
   <p:cSld>
     <p:spTree>
       <p:nvGrpSpPr>
@@ -3427,7 +3457,14 @@
         <p:cNvGrpSpPr/>
         <p:nvPr/>
       </p:nvGrpSpPr>
-      <p:grpSpPr/>
+      <p:grpSpPr>
+        <a:xfrm>
+          <a:off x="0" y="0"/>
+          <a:ext cx="0" cy="0"/>
+          <a:chOff x="0" y="0"/>
+          <a:chExt cx="0" cy="0"/>
+        </a:xfrm>
+      </p:grpSpPr>
       <p:sp>
         <p:nvSpPr>
           <p:cNvPr id="2" name="Title 1"/>
